--- a/高等程式語言─期末報告.pptx
+++ b/高等程式語言─期末報告.pptx
@@ -2019,21 +2019,8 @@
                 <a:latin typeface="Franklin Gothic Heavy" panose="020B0903020102020204" pitchFamily="34" charset="0"/>
                 <a:ea typeface="華康POP1體W7(P)" panose="040B0700000000000000" pitchFamily="82" charset="-120"/>
               </a:rPr>
-              <a:t>甘苦談</a:t>
-            </a:r>
-            <a:endParaRPr lang="en-US" sz="2800" spc="300" dirty="0" smtClean="0">
-              <a:effectLst>
-                <a:outerShdw blurRad="38100" dist="38100" dir="2700000" algn="tl">
-                  <a:srgbClr val="000000">
-                    <a:alpha val="43137"/>
-                  </a:srgbClr>
-                </a:outerShdw>
-              </a:effectLst>
-              <a:latin typeface="Franklin Gothic Heavy" panose="020B0903020102020204" pitchFamily="34" charset="0"/>
-              <a:ea typeface="華康POP1體W7(P)" panose="040B0700000000000000" pitchFamily="82" charset="-120"/>
-            </a:endParaRPr>
-          </a:p>
-          <a:p>
+              <a:t>甘苦</a:t>
+            </a:r>
             <a:r>
               <a:rPr lang="zh-TW" altLang="en-US" sz="2800" spc="300" dirty="0" smtClean="0">
                 <a:effectLst>
@@ -2046,23 +2033,9 @@
                 <a:latin typeface="Franklin Gothic Heavy" panose="020B0903020102020204" pitchFamily="34" charset="0"/>
                 <a:ea typeface="華康POP1體W7(P)" panose="040B0700000000000000" pitchFamily="82" charset="-120"/>
               </a:rPr>
-              <a:t>分</a:t>
-            </a:r>
-            <a:r>
-              <a:rPr lang="zh-TW" altLang="en-US" sz="2800" spc="300" dirty="0">
-                <a:effectLst>
-                  <a:outerShdw blurRad="38100" dist="38100" dir="2700000" algn="tl">
-                    <a:srgbClr val="000000">
-                      <a:alpha val="43137"/>
-                    </a:srgbClr>
-                  </a:outerShdw>
-                </a:effectLst>
-                <a:latin typeface="Franklin Gothic Heavy" panose="020B0903020102020204" pitchFamily="34" charset="0"/>
-                <a:ea typeface="華康POP1體W7(P)" panose="040B0700000000000000" pitchFamily="82" charset="-120"/>
-              </a:rPr>
-              <a:t>工</a:t>
-            </a:r>
-            <a:endParaRPr lang="en-US" sz="2800" spc="300" dirty="0">
+              <a:t>談</a:t>
+            </a:r>
+            <a:endParaRPr lang="en-US" sz="2800" spc="300" dirty="0" smtClean="0">
               <a:effectLst>
                 <a:outerShdw blurRad="38100" dist="38100" dir="2700000" algn="tl">
                   <a:srgbClr val="000000">
